--- a/indonesia/IndonesianLM.pptx
+++ b/indonesia/IndonesianLM.pptx
@@ -4,6 +4,9 @@
   <p:sldMasterIdLst>
     <p:sldMasterId id="2147483648" r:id="rId1"/>
   </p:sldMasterIdLst>
+  <p:notesMasterIdLst>
+    <p:notesMasterId r:id="rId14"/>
+  </p:notesMasterIdLst>
   <p:sldIdLst>
     <p:sldId id="256" r:id="rId2"/>
     <p:sldId id="257" r:id="rId3"/>
@@ -115,7 +118,362 @@
       </a:defRPr>
     </a:lvl9pPr>
   </p:defaultTextStyle>
+  <p:extLst>
+    <p:ext uri="{EFAFB233-063F-42B5-8137-9DF3F51BA10A}">
+      <p15:sldGuideLst xmlns:p15="http://schemas.microsoft.com/office/powerpoint/2012/main"/>
+    </p:ext>
+  </p:extLst>
 </p:presentation>
+</file>
+
+<file path=ppt/notesMasters/notesMaster1.xml><?xml version="1.0" encoding="utf-8"?>
+<p:notesMaster xmlns:a="http://schemas.openxmlformats.org/drawingml/2006/main" xmlns:r="http://schemas.openxmlformats.org/officeDocument/2006/relationships" xmlns:p="http://schemas.openxmlformats.org/presentationml/2006/main">
+  <p:cSld>
+    <p:bg>
+      <p:bgRef idx="1001">
+        <a:schemeClr val="bg1"/>
+      </p:bgRef>
+    </p:bg>
+    <p:spTree>
+      <p:nvGrpSpPr>
+        <p:cNvPr id="1" name=""/>
+        <p:cNvGrpSpPr/>
+        <p:nvPr/>
+      </p:nvGrpSpPr>
+      <p:grpSpPr>
+        <a:xfrm>
+          <a:off x="0" y="0"/>
+          <a:ext cx="0" cy="0"/>
+          <a:chOff x="0" y="0"/>
+          <a:chExt cx="0" cy="0"/>
+        </a:xfrm>
+      </p:grpSpPr>
+      <p:sp>
+        <p:nvSpPr>
+          <p:cNvPr id="2" name="Header Placeholder 1"/>
+          <p:cNvSpPr>
+            <a:spLocks noGrp="1"/>
+          </p:cNvSpPr>
+          <p:nvPr>
+            <p:ph type="hdr" sz="quarter"/>
+          </p:nvPr>
+        </p:nvSpPr>
+        <p:spPr>
+          <a:xfrm>
+            <a:off x="0" y="0"/>
+            <a:ext cx="2971800" cy="458788"/>
+          </a:xfrm>
+          <a:prstGeom prst="rect">
+            <a:avLst/>
+          </a:prstGeom>
+        </p:spPr>
+        <p:txBody>
+          <a:bodyPr vert="horz" lIns="91440" tIns="45720" rIns="91440" bIns="45720" rtlCol="0"/>
+          <a:lstStyle>
+            <a:lvl1pPr algn="l">
+              <a:defRPr sz="1200"/>
+            </a:lvl1pPr>
+          </a:lstStyle>
+          <a:p>
+            <a:endParaRPr lang="en-US"/>
+          </a:p>
+        </p:txBody>
+      </p:sp>
+      <p:sp>
+        <p:nvSpPr>
+          <p:cNvPr id="3" name="Date Placeholder 2"/>
+          <p:cNvSpPr>
+            <a:spLocks noGrp="1"/>
+          </p:cNvSpPr>
+          <p:nvPr>
+            <p:ph type="dt" idx="1"/>
+          </p:nvPr>
+        </p:nvSpPr>
+        <p:spPr>
+          <a:xfrm>
+            <a:off x="3884613" y="0"/>
+            <a:ext cx="2971800" cy="458788"/>
+          </a:xfrm>
+          <a:prstGeom prst="rect">
+            <a:avLst/>
+          </a:prstGeom>
+        </p:spPr>
+        <p:txBody>
+          <a:bodyPr vert="horz" lIns="91440" tIns="45720" rIns="91440" bIns="45720" rtlCol="0"/>
+          <a:lstStyle>
+            <a:lvl1pPr algn="r">
+              <a:defRPr sz="1200"/>
+            </a:lvl1pPr>
+          </a:lstStyle>
+          <a:p>
+            <a:fld id="{6D15F332-CE1B-E640-B99F-F6E2A2E0EB5F}" type="datetimeFigureOut">
+              <a:rPr lang="en-US" smtClean="0"/>
+              <a:t>12/29/19</a:t>
+            </a:fld>
+            <a:endParaRPr lang="en-US"/>
+          </a:p>
+        </p:txBody>
+      </p:sp>
+      <p:sp>
+        <p:nvSpPr>
+          <p:cNvPr id="4" name="Slide Image Placeholder 3"/>
+          <p:cNvSpPr>
+            <a:spLocks noGrp="1" noRot="1" noChangeAspect="1"/>
+          </p:cNvSpPr>
+          <p:nvPr>
+            <p:ph type="sldImg" idx="2"/>
+          </p:nvPr>
+        </p:nvSpPr>
+        <p:spPr>
+          <a:xfrm>
+            <a:off x="685800" y="1143000"/>
+            <a:ext cx="5486400" cy="3086100"/>
+          </a:xfrm>
+          <a:prstGeom prst="rect">
+            <a:avLst/>
+          </a:prstGeom>
+          <a:noFill/>
+          <a:ln w="12700">
+            <a:solidFill>
+              <a:prstClr val="black"/>
+            </a:solidFill>
+          </a:ln>
+        </p:spPr>
+        <p:txBody>
+          <a:bodyPr vert="horz" lIns="91440" tIns="45720" rIns="91440" bIns="45720" rtlCol="0" anchor="ctr"/>
+          <a:lstStyle/>
+          <a:p>
+            <a:endParaRPr lang="en-US"/>
+          </a:p>
+        </p:txBody>
+      </p:sp>
+      <p:sp>
+        <p:nvSpPr>
+          <p:cNvPr id="5" name="Notes Placeholder 4"/>
+          <p:cNvSpPr>
+            <a:spLocks noGrp="1"/>
+          </p:cNvSpPr>
+          <p:nvPr>
+            <p:ph type="body" sz="quarter" idx="3"/>
+          </p:nvPr>
+        </p:nvSpPr>
+        <p:spPr>
+          <a:xfrm>
+            <a:off x="685800" y="4400550"/>
+            <a:ext cx="5486400" cy="3600450"/>
+          </a:xfrm>
+          <a:prstGeom prst="rect">
+            <a:avLst/>
+          </a:prstGeom>
+        </p:spPr>
+        <p:txBody>
+          <a:bodyPr vert="horz" lIns="91440" tIns="45720" rIns="91440" bIns="45720" rtlCol="0"/>
+          <a:lstStyle/>
+          <a:p>
+            <a:pPr lvl="0"/>
+            <a:r>
+              <a:rPr lang="en-GB"/>
+              <a:t>Click to edit Master text styles</a:t>
+            </a:r>
+          </a:p>
+          <a:p>
+            <a:pPr lvl="1"/>
+            <a:r>
+              <a:rPr lang="en-GB"/>
+              <a:t>Second level</a:t>
+            </a:r>
+          </a:p>
+          <a:p>
+            <a:pPr lvl="2"/>
+            <a:r>
+              <a:rPr lang="en-GB"/>
+              <a:t>Third level</a:t>
+            </a:r>
+          </a:p>
+          <a:p>
+            <a:pPr lvl="3"/>
+            <a:r>
+              <a:rPr lang="en-GB"/>
+              <a:t>Fourth level</a:t>
+            </a:r>
+          </a:p>
+          <a:p>
+            <a:pPr lvl="4"/>
+            <a:r>
+              <a:rPr lang="en-GB"/>
+              <a:t>Fifth level</a:t>
+            </a:r>
+            <a:endParaRPr lang="en-US"/>
+          </a:p>
+        </p:txBody>
+      </p:sp>
+      <p:sp>
+        <p:nvSpPr>
+          <p:cNvPr id="6" name="Footer Placeholder 5"/>
+          <p:cNvSpPr>
+            <a:spLocks noGrp="1"/>
+          </p:cNvSpPr>
+          <p:nvPr>
+            <p:ph type="ftr" sz="quarter" idx="4"/>
+          </p:nvPr>
+        </p:nvSpPr>
+        <p:spPr>
+          <a:xfrm>
+            <a:off x="0" y="8685213"/>
+            <a:ext cx="2971800" cy="458787"/>
+          </a:xfrm>
+          <a:prstGeom prst="rect">
+            <a:avLst/>
+          </a:prstGeom>
+        </p:spPr>
+        <p:txBody>
+          <a:bodyPr vert="horz" lIns="91440" tIns="45720" rIns="91440" bIns="45720" rtlCol="0" anchor="b"/>
+          <a:lstStyle>
+            <a:lvl1pPr algn="l">
+              <a:defRPr sz="1200"/>
+            </a:lvl1pPr>
+          </a:lstStyle>
+          <a:p>
+            <a:endParaRPr lang="en-US"/>
+          </a:p>
+        </p:txBody>
+      </p:sp>
+      <p:sp>
+        <p:nvSpPr>
+          <p:cNvPr id="7" name="Slide Number Placeholder 6"/>
+          <p:cNvSpPr>
+            <a:spLocks noGrp="1"/>
+          </p:cNvSpPr>
+          <p:nvPr>
+            <p:ph type="sldNum" sz="quarter" idx="5"/>
+          </p:nvPr>
+        </p:nvSpPr>
+        <p:spPr>
+          <a:xfrm>
+            <a:off x="3884613" y="8685213"/>
+            <a:ext cx="2971800" cy="458787"/>
+          </a:xfrm>
+          <a:prstGeom prst="rect">
+            <a:avLst/>
+          </a:prstGeom>
+        </p:spPr>
+        <p:txBody>
+          <a:bodyPr vert="horz" lIns="91440" tIns="45720" rIns="91440" bIns="45720" rtlCol="0" anchor="b"/>
+          <a:lstStyle>
+            <a:lvl1pPr algn="r">
+              <a:defRPr sz="1200"/>
+            </a:lvl1pPr>
+          </a:lstStyle>
+          <a:p>
+            <a:fld id="{47CC085A-EAB5-C14C-A941-EEC87C977B7D}" type="slidenum">
+              <a:rPr lang="en-US" smtClean="0"/>
+              <a:t>‹#›</a:t>
+            </a:fld>
+            <a:endParaRPr lang="en-US"/>
+          </a:p>
+        </p:txBody>
+      </p:sp>
+    </p:spTree>
+    <p:extLst>
+      <p:ext uri="{BB962C8B-B14F-4D97-AF65-F5344CB8AC3E}">
+        <p14:creationId xmlns:p14="http://schemas.microsoft.com/office/powerpoint/2010/main" val="316452193"/>
+      </p:ext>
+    </p:extLst>
+  </p:cSld>
+  <p:clrMap bg1="lt1" tx1="dk1" bg2="lt2" tx2="dk2" accent1="accent1" accent2="accent2" accent3="accent3" accent4="accent4" accent5="accent5" accent6="accent6" hlink="hlink" folHlink="folHlink"/>
+  <p:notesStyle>
+    <a:lvl1pPr marL="0" algn="l" defTabSz="914400" rtl="0" eaLnBrk="1" latinLnBrk="0" hangingPunct="1">
+      <a:defRPr sz="1200" kern="1200">
+        <a:solidFill>
+          <a:schemeClr val="tx1"/>
+        </a:solidFill>
+        <a:latin typeface="+mn-lt"/>
+        <a:ea typeface="+mn-ea"/>
+        <a:cs typeface="+mn-cs"/>
+      </a:defRPr>
+    </a:lvl1pPr>
+    <a:lvl2pPr marL="457200" algn="l" defTabSz="914400" rtl="0" eaLnBrk="1" latinLnBrk="0" hangingPunct="1">
+      <a:defRPr sz="1200" kern="1200">
+        <a:solidFill>
+          <a:schemeClr val="tx1"/>
+        </a:solidFill>
+        <a:latin typeface="+mn-lt"/>
+        <a:ea typeface="+mn-ea"/>
+        <a:cs typeface="+mn-cs"/>
+      </a:defRPr>
+    </a:lvl2pPr>
+    <a:lvl3pPr marL="914400" algn="l" defTabSz="914400" rtl="0" eaLnBrk="1" latinLnBrk="0" hangingPunct="1">
+      <a:defRPr sz="1200" kern="1200">
+        <a:solidFill>
+          <a:schemeClr val="tx1"/>
+        </a:solidFill>
+        <a:latin typeface="+mn-lt"/>
+        <a:ea typeface="+mn-ea"/>
+        <a:cs typeface="+mn-cs"/>
+      </a:defRPr>
+    </a:lvl3pPr>
+    <a:lvl4pPr marL="1371600" algn="l" defTabSz="914400" rtl="0" eaLnBrk="1" latinLnBrk="0" hangingPunct="1">
+      <a:defRPr sz="1200" kern="1200">
+        <a:solidFill>
+          <a:schemeClr val="tx1"/>
+        </a:solidFill>
+        <a:latin typeface="+mn-lt"/>
+        <a:ea typeface="+mn-ea"/>
+        <a:cs typeface="+mn-cs"/>
+      </a:defRPr>
+    </a:lvl4pPr>
+    <a:lvl5pPr marL="1828800" algn="l" defTabSz="914400" rtl="0" eaLnBrk="1" latinLnBrk="0" hangingPunct="1">
+      <a:defRPr sz="1200" kern="1200">
+        <a:solidFill>
+          <a:schemeClr val="tx1"/>
+        </a:solidFill>
+        <a:latin typeface="+mn-lt"/>
+        <a:ea typeface="+mn-ea"/>
+        <a:cs typeface="+mn-cs"/>
+      </a:defRPr>
+    </a:lvl5pPr>
+    <a:lvl6pPr marL="2286000" algn="l" defTabSz="914400" rtl="0" eaLnBrk="1" latinLnBrk="0" hangingPunct="1">
+      <a:defRPr sz="1200" kern="1200">
+        <a:solidFill>
+          <a:schemeClr val="tx1"/>
+        </a:solidFill>
+        <a:latin typeface="+mn-lt"/>
+        <a:ea typeface="+mn-ea"/>
+        <a:cs typeface="+mn-cs"/>
+      </a:defRPr>
+    </a:lvl6pPr>
+    <a:lvl7pPr marL="2743200" algn="l" defTabSz="914400" rtl="0" eaLnBrk="1" latinLnBrk="0" hangingPunct="1">
+      <a:defRPr sz="1200" kern="1200">
+        <a:solidFill>
+          <a:schemeClr val="tx1"/>
+        </a:solidFill>
+        <a:latin typeface="+mn-lt"/>
+        <a:ea typeface="+mn-ea"/>
+        <a:cs typeface="+mn-cs"/>
+      </a:defRPr>
+    </a:lvl7pPr>
+    <a:lvl8pPr marL="3200400" algn="l" defTabSz="914400" rtl="0" eaLnBrk="1" latinLnBrk="0" hangingPunct="1">
+      <a:defRPr sz="1200" kern="1200">
+        <a:solidFill>
+          <a:schemeClr val="tx1"/>
+        </a:solidFill>
+        <a:latin typeface="+mn-lt"/>
+        <a:ea typeface="+mn-ea"/>
+        <a:cs typeface="+mn-cs"/>
+      </a:defRPr>
+    </a:lvl8pPr>
+    <a:lvl9pPr marL="3657600" algn="l" defTabSz="914400" rtl="0" eaLnBrk="1" latinLnBrk="0" hangingPunct="1">
+      <a:defRPr sz="1200" kern="1200">
+        <a:solidFill>
+          <a:schemeClr val="tx1"/>
+        </a:solidFill>
+        <a:latin typeface="+mn-lt"/>
+        <a:ea typeface="+mn-ea"/>
+        <a:cs typeface="+mn-cs"/>
+      </a:defRPr>
+    </a:lvl9pPr>
+  </p:notesStyle>
+</p:notesMaster>
 </file>
 
 <file path=ppt/slideLayouts/slideLayout1.xml><?xml version="1.0" encoding="utf-8"?>
@@ -265,9 +623,9 @@
           <a:bodyPr/>
           <a:lstStyle/>
           <a:p>
-            <a:fld id="{DCAC0AD0-BE3A-2840-85BB-608CE8B79A2D}" type="datetimeFigureOut">
+            <a:fld id="{798C44AA-6753-4A4F-98A6-01270AC0273A}" type="datetime1">
               <a:rPr lang="en-US" smtClean="0"/>
-              <a:t>12/12/19</a:t>
+              <a:t>12/29/19</a:t>
             </a:fld>
             <a:endParaRPr lang="en-US"/>
           </a:p>
@@ -465,9 +823,9 @@
           <a:bodyPr/>
           <a:lstStyle/>
           <a:p>
-            <a:fld id="{DCAC0AD0-BE3A-2840-85BB-608CE8B79A2D}" type="datetimeFigureOut">
+            <a:fld id="{C020B616-0F6F-574F-9E8C-A5EADA82737C}" type="datetime1">
               <a:rPr lang="en-US" smtClean="0"/>
-              <a:t>12/12/19</a:t>
+              <a:t>12/29/19</a:t>
             </a:fld>
             <a:endParaRPr lang="en-US"/>
           </a:p>
@@ -675,9 +1033,9 @@
           <a:bodyPr/>
           <a:lstStyle/>
           <a:p>
-            <a:fld id="{DCAC0AD0-BE3A-2840-85BB-608CE8B79A2D}" type="datetimeFigureOut">
+            <a:fld id="{77F47613-C78C-7940-8B68-367D3FBB5E7F}" type="datetime1">
               <a:rPr lang="en-US" smtClean="0"/>
-              <a:t>12/12/19</a:t>
+              <a:t>12/29/19</a:t>
             </a:fld>
             <a:endParaRPr lang="en-US"/>
           </a:p>
@@ -875,9 +1233,9 @@
           <a:bodyPr/>
           <a:lstStyle/>
           <a:p>
-            <a:fld id="{DCAC0AD0-BE3A-2840-85BB-608CE8B79A2D}" type="datetimeFigureOut">
+            <a:fld id="{B02D807A-01CE-0D45-9ABB-00EF98407C2D}" type="datetime1">
               <a:rPr lang="en-US" smtClean="0"/>
-              <a:t>12/12/19</a:t>
+              <a:t>12/29/19</a:t>
             </a:fld>
             <a:endParaRPr lang="en-US"/>
           </a:p>
@@ -1151,9 +1509,9 @@
           <a:bodyPr/>
           <a:lstStyle/>
           <a:p>
-            <a:fld id="{DCAC0AD0-BE3A-2840-85BB-608CE8B79A2D}" type="datetimeFigureOut">
+            <a:fld id="{9AFA79E2-7037-6849-9596-AEA87FD8535E}" type="datetime1">
               <a:rPr lang="en-US" smtClean="0"/>
-              <a:t>12/12/19</a:t>
+              <a:t>12/29/19</a:t>
             </a:fld>
             <a:endParaRPr lang="en-US"/>
           </a:p>
@@ -1419,9 +1777,9 @@
           <a:bodyPr/>
           <a:lstStyle/>
           <a:p>
-            <a:fld id="{DCAC0AD0-BE3A-2840-85BB-608CE8B79A2D}" type="datetimeFigureOut">
+            <a:fld id="{0C45A0BD-F166-5B47-8DC4-8A8EAC11C465}" type="datetime1">
               <a:rPr lang="en-US" smtClean="0"/>
-              <a:t>12/12/19</a:t>
+              <a:t>12/29/19</a:t>
             </a:fld>
             <a:endParaRPr lang="en-US"/>
           </a:p>
@@ -1834,9 +2192,9 @@
           <a:bodyPr/>
           <a:lstStyle/>
           <a:p>
-            <a:fld id="{DCAC0AD0-BE3A-2840-85BB-608CE8B79A2D}" type="datetimeFigureOut">
+            <a:fld id="{9340CDA3-0DED-A04A-8CEF-8860959832A9}" type="datetime1">
               <a:rPr lang="en-US" smtClean="0"/>
-              <a:t>12/12/19</a:t>
+              <a:t>12/29/19</a:t>
             </a:fld>
             <a:endParaRPr lang="en-US"/>
           </a:p>
@@ -1976,9 +2334,9 @@
           <a:bodyPr/>
           <a:lstStyle/>
           <a:p>
-            <a:fld id="{DCAC0AD0-BE3A-2840-85BB-608CE8B79A2D}" type="datetimeFigureOut">
+            <a:fld id="{0F6AFEE8-B9C9-FD4B-8FE0-CD3127C3A1A4}" type="datetime1">
               <a:rPr lang="en-US" smtClean="0"/>
-              <a:t>12/12/19</a:t>
+              <a:t>12/29/19</a:t>
             </a:fld>
             <a:endParaRPr lang="en-US"/>
           </a:p>
@@ -2089,9 +2447,9 @@
           <a:bodyPr/>
           <a:lstStyle/>
           <a:p>
-            <a:fld id="{DCAC0AD0-BE3A-2840-85BB-608CE8B79A2D}" type="datetimeFigureOut">
+            <a:fld id="{3CD186F1-096F-1340-ADB0-377B3EF10AD9}" type="datetime1">
               <a:rPr lang="en-US" smtClean="0"/>
-              <a:t>12/12/19</a:t>
+              <a:t>12/29/19</a:t>
             </a:fld>
             <a:endParaRPr lang="en-US"/>
           </a:p>
@@ -2402,9 +2760,9 @@
           <a:bodyPr/>
           <a:lstStyle/>
           <a:p>
-            <a:fld id="{DCAC0AD0-BE3A-2840-85BB-608CE8B79A2D}" type="datetimeFigureOut">
+            <a:fld id="{53BA25F4-7CAD-B642-9E95-F0D6F818472E}" type="datetime1">
               <a:rPr lang="en-US" smtClean="0"/>
-              <a:t>12/12/19</a:t>
+              <a:t>12/29/19</a:t>
             </a:fld>
             <a:endParaRPr lang="en-US"/>
           </a:p>
@@ -2691,9 +3049,9 @@
           <a:bodyPr/>
           <a:lstStyle/>
           <a:p>
-            <a:fld id="{DCAC0AD0-BE3A-2840-85BB-608CE8B79A2D}" type="datetimeFigureOut">
+            <a:fld id="{CEA2499B-57A7-1744-A9BC-1748867DA012}" type="datetime1">
               <a:rPr lang="en-US" smtClean="0"/>
-              <a:t>12/12/19</a:t>
+              <a:t>12/29/19</a:t>
             </a:fld>
             <a:endParaRPr lang="en-US"/>
           </a:p>
@@ -2934,9 +3292,9 @@
             </a:lvl1pPr>
           </a:lstStyle>
           <a:p>
-            <a:fld id="{DCAC0AD0-BE3A-2840-85BB-608CE8B79A2D}" type="datetimeFigureOut">
+            <a:fld id="{E1AF0D27-5299-B047-B6E0-89C9FDB8EA4C}" type="datetime1">
               <a:rPr lang="en-US" smtClean="0"/>
-              <a:t>12/12/19</a:t>
+              <a:t>12/29/19</a:t>
             </a:fld>
             <a:endParaRPr lang="en-US"/>
           </a:p>
@@ -3053,6 +3411,7 @@
     <p:sldLayoutId id="2147483658" r:id="rId10"/>
     <p:sldLayoutId id="2147483659" r:id="rId11"/>
   </p:sldLayoutIdLst>
+  <p:hf sldNum="0" hdr="0" dt="0"/>
   <p:txStyles>
     <p:titleStyle>
       <a:lvl1pPr algn="l" defTabSz="914400" rtl="0" eaLnBrk="1" latinLnBrk="0" hangingPunct="1">
@@ -3421,6 +3780,31 @@
           </a:p>
         </p:txBody>
       </p:sp>
+      <p:sp>
+        <p:nvSpPr>
+          <p:cNvPr id="6" name="Footer Placeholder 5">
+            <a:extLst>
+              <a:ext uri="{FF2B5EF4-FFF2-40B4-BE49-F238E27FC236}">
+                <a16:creationId xmlns:a16="http://schemas.microsoft.com/office/drawing/2014/main" id="{AF4E33EF-2155-984A-8E73-041E39FB0C3F}"/>
+              </a:ext>
+            </a:extLst>
+          </p:cNvPr>
+          <p:cNvSpPr>
+            <a:spLocks noGrp="1"/>
+          </p:cNvSpPr>
+          <p:nvPr>
+            <p:ph type="ftr" sz="quarter" idx="11"/>
+          </p:nvPr>
+        </p:nvSpPr>
+        <p:spPr/>
+        <p:txBody>
+          <a:bodyPr/>
+          <a:lstStyle/>
+          <a:p>
+            <a:endParaRPr lang="en-US"/>
+          </a:p>
+        </p:txBody>
+      </p:sp>
     </p:spTree>
     <p:extLst>
       <p:ext uri="{BB962C8B-B14F-4D97-AF65-F5344CB8AC3E}">
@@ -3520,6 +3904,31 @@
           </a:p>
         </p:txBody>
       </p:sp>
+      <p:sp>
+        <p:nvSpPr>
+          <p:cNvPr id="6" name="Footer Placeholder 5">
+            <a:extLst>
+              <a:ext uri="{FF2B5EF4-FFF2-40B4-BE49-F238E27FC236}">
+                <a16:creationId xmlns:a16="http://schemas.microsoft.com/office/drawing/2014/main" id="{3D039C7F-7152-564B-8199-7324C3202383}"/>
+              </a:ext>
+            </a:extLst>
+          </p:cNvPr>
+          <p:cNvSpPr>
+            <a:spLocks noGrp="1"/>
+          </p:cNvSpPr>
+          <p:nvPr>
+            <p:ph type="ftr" sz="quarter" idx="11"/>
+          </p:nvPr>
+        </p:nvSpPr>
+        <p:spPr/>
+        <p:txBody>
+          <a:bodyPr/>
+          <a:lstStyle/>
+          <a:p>
+            <a:endParaRPr lang="en-US"/>
+          </a:p>
+        </p:txBody>
+      </p:sp>
     </p:spTree>
     <p:extLst>
       <p:ext uri="{BB962C8B-B14F-4D97-AF65-F5344CB8AC3E}">
@@ -3609,7 +4018,7 @@
             </a:r>
             <a:r>
               <a:rPr lang="en-US" dirty="0"/>
-              <a:t> GPT2</a:t>
+              <a:t> GPT2 or better</a:t>
             </a:r>
           </a:p>
           <a:p>
@@ -3650,6 +4059,31 @@
               <a:buNone/>
             </a:pPr>
             <a:endParaRPr lang="en-US" dirty="0"/>
+          </a:p>
+        </p:txBody>
+      </p:sp>
+      <p:sp>
+        <p:nvSpPr>
+          <p:cNvPr id="6" name="Footer Placeholder 5">
+            <a:extLst>
+              <a:ext uri="{FF2B5EF4-FFF2-40B4-BE49-F238E27FC236}">
+                <a16:creationId xmlns:a16="http://schemas.microsoft.com/office/drawing/2014/main" id="{95C835B1-BFE5-2846-A7CC-F58B099AF5C1}"/>
+              </a:ext>
+            </a:extLst>
+          </p:cNvPr>
+          <p:cNvSpPr>
+            <a:spLocks noGrp="1"/>
+          </p:cNvSpPr>
+          <p:nvPr>
+            <p:ph type="ftr" sz="quarter" idx="11"/>
+          </p:nvPr>
+        </p:nvSpPr>
+        <p:spPr/>
+        <p:txBody>
+          <a:bodyPr/>
+          <a:lstStyle/>
+          <a:p>
+            <a:endParaRPr lang="en-US"/>
           </a:p>
         </p:txBody>
       </p:sp>
@@ -3699,29 +4133,40 @@
             <p:ph type="title"/>
           </p:nvPr>
         </p:nvSpPr>
-        <p:spPr/>
-        <p:txBody>
-          <a:bodyPr/>
+        <p:spPr>
+          <a:xfrm>
+            <a:off x="838200" y="2520497"/>
+            <a:ext cx="10515600" cy="1325563"/>
+          </a:xfrm>
+        </p:spPr>
+        <p:txBody>
+          <a:bodyPr>
+            <a:normAutofit/>
+          </a:bodyPr>
           <a:lstStyle/>
           <a:p>
-            <a:endParaRPr lang="en-US" dirty="0"/>
-          </a:p>
-        </p:txBody>
-      </p:sp>
-      <p:sp>
-        <p:nvSpPr>
-          <p:cNvPr id="3" name="Content Placeholder 2">
-            <a:extLst>
-              <a:ext uri="{FF2B5EF4-FFF2-40B4-BE49-F238E27FC236}">
-                <a16:creationId xmlns:a16="http://schemas.microsoft.com/office/drawing/2014/main" id="{493EA644-EBC9-DE49-B6FA-B0E809290824}"/>
-              </a:ext>
-            </a:extLst>
-          </p:cNvPr>
-          <p:cNvSpPr>
-            <a:spLocks noGrp="1"/>
-          </p:cNvSpPr>
-          <p:nvPr>
-            <p:ph idx="1"/>
+            <a:pPr algn="ctr"/>
+            <a:r>
+              <a:rPr lang="en-US" sz="5400" b="1" dirty="0"/>
+              <a:t>Thank You</a:t>
+            </a:r>
+          </a:p>
+        </p:txBody>
+      </p:sp>
+      <p:sp>
+        <p:nvSpPr>
+          <p:cNvPr id="6" name="Footer Placeholder 5">
+            <a:extLst>
+              <a:ext uri="{FF2B5EF4-FFF2-40B4-BE49-F238E27FC236}">
+                <a16:creationId xmlns:a16="http://schemas.microsoft.com/office/drawing/2014/main" id="{B0DCF504-6503-834B-825B-5DB1E2846565}"/>
+              </a:ext>
+            </a:extLst>
+          </p:cNvPr>
+          <p:cNvSpPr>
+            <a:spLocks noGrp="1"/>
+          </p:cNvSpPr>
+          <p:nvPr>
+            <p:ph type="ftr" sz="quarter" idx="11"/>
           </p:nvPr>
         </p:nvSpPr>
         <p:spPr/>
@@ -3860,6 +4305,31 @@
           </a:p>
         </p:txBody>
       </p:sp>
+      <p:sp>
+        <p:nvSpPr>
+          <p:cNvPr id="6" name="Footer Placeholder 5">
+            <a:extLst>
+              <a:ext uri="{FF2B5EF4-FFF2-40B4-BE49-F238E27FC236}">
+                <a16:creationId xmlns:a16="http://schemas.microsoft.com/office/drawing/2014/main" id="{D8923CC4-299F-0840-9385-AC6BCBC965B5}"/>
+              </a:ext>
+            </a:extLst>
+          </p:cNvPr>
+          <p:cNvSpPr>
+            <a:spLocks noGrp="1"/>
+          </p:cNvSpPr>
+          <p:nvPr>
+            <p:ph type="ftr" sz="quarter" idx="11"/>
+          </p:nvPr>
+        </p:nvSpPr>
+        <p:spPr/>
+        <p:txBody>
+          <a:bodyPr/>
+          <a:lstStyle/>
+          <a:p>
+            <a:endParaRPr lang="en-US"/>
+          </a:p>
+        </p:txBody>
+      </p:sp>
     </p:spTree>
     <p:extLst>
       <p:ext uri="{BB962C8B-B14F-4D97-AF65-F5344CB8AC3E}">
@@ -3961,6 +4431,31 @@
           </a:p>
         </p:txBody>
       </p:sp>
+      <p:sp>
+        <p:nvSpPr>
+          <p:cNvPr id="6" name="Footer Placeholder 5">
+            <a:extLst>
+              <a:ext uri="{FF2B5EF4-FFF2-40B4-BE49-F238E27FC236}">
+                <a16:creationId xmlns:a16="http://schemas.microsoft.com/office/drawing/2014/main" id="{43171B90-55B7-C143-8264-D851D985E3B2}"/>
+              </a:ext>
+            </a:extLst>
+          </p:cNvPr>
+          <p:cNvSpPr>
+            <a:spLocks noGrp="1"/>
+          </p:cNvSpPr>
+          <p:nvPr>
+            <p:ph type="ftr" sz="quarter" idx="11"/>
+          </p:nvPr>
+        </p:nvSpPr>
+        <p:spPr/>
+        <p:txBody>
+          <a:bodyPr/>
+          <a:lstStyle/>
+          <a:p>
+            <a:endParaRPr lang="en-US"/>
+          </a:p>
+        </p:txBody>
+      </p:sp>
     </p:spTree>
     <p:extLst>
       <p:ext uri="{BB962C8B-B14F-4D97-AF65-F5344CB8AC3E}">
@@ -4091,6 +4586,78 @@
           </a:prstGeom>
         </p:spPr>
       </p:pic>
+      <p:sp>
+        <p:nvSpPr>
+          <p:cNvPr id="6" name="Footer Placeholder 5">
+            <a:extLst>
+              <a:ext uri="{FF2B5EF4-FFF2-40B4-BE49-F238E27FC236}">
+                <a16:creationId xmlns:a16="http://schemas.microsoft.com/office/drawing/2014/main" id="{C736D9D6-B742-364E-850C-E981218C986A}"/>
+              </a:ext>
+            </a:extLst>
+          </p:cNvPr>
+          <p:cNvSpPr>
+            <a:spLocks noGrp="1"/>
+          </p:cNvSpPr>
+          <p:nvPr>
+            <p:ph type="ftr" sz="quarter" idx="11"/>
+          </p:nvPr>
+        </p:nvSpPr>
+        <p:spPr>
+          <a:xfrm>
+            <a:off x="1045029" y="6356350"/>
+            <a:ext cx="10401300" cy="365125"/>
+          </a:xfrm>
+        </p:spPr>
+        <p:txBody>
+          <a:bodyPr/>
+          <a:lstStyle/>
+          <a:p>
+            <a:pPr marL="171450" indent="-171450" algn="l">
+              <a:buFont typeface="Arial" panose="020B0604020202020204" pitchFamily="34" charset="0"/>
+              <a:buChar char="•"/>
+            </a:pPr>
+            <a:r>
+              <a:rPr lang="en-US" dirty="0" err="1"/>
+              <a:t>Humbold</a:t>
+            </a:r>
+            <a:r>
+              <a:rPr lang="en-US" dirty="0"/>
+              <a:t> Universität </a:t>
+            </a:r>
+            <a:r>
+              <a:rPr lang="en-US" dirty="0" err="1"/>
+              <a:t>zu</a:t>
+            </a:r>
+            <a:r>
+              <a:rPr lang="en-US" dirty="0"/>
+              <a:t> Berlin: https://</a:t>
+            </a:r>
+            <a:r>
+              <a:rPr lang="en-US" dirty="0" err="1"/>
+              <a:t>humboldt-wi.github.io</a:t>
+            </a:r>
+            <a:r>
+              <a:rPr lang="en-US" dirty="0"/>
+              <a:t>/blog/research/information_systems_1819/group4_ulmfit/ </a:t>
+            </a:r>
+          </a:p>
+          <a:p>
+            <a:pPr marL="171450" indent="-171450" algn="l">
+              <a:buFont typeface="Arial" panose="020B0604020202020204" pitchFamily="34" charset="0"/>
+              <a:buChar char="•"/>
+            </a:pPr>
+            <a:r>
+              <a:rPr lang="en-US" dirty="0"/>
+              <a:t>Fast AI: https://</a:t>
+            </a:r>
+            <a:r>
+              <a:rPr lang="en-US" dirty="0" err="1"/>
+              <a:t>fast.ai</a:t>
+            </a:r>
+            <a:endParaRPr lang="en-US" dirty="0"/>
+          </a:p>
+        </p:txBody>
+      </p:sp>
     </p:spTree>
     <p:extLst>
       <p:ext uri="{BB962C8B-B14F-4D97-AF65-F5344CB8AC3E}">
@@ -4184,6 +4751,60 @@
           </a:xfrm>
         </p:spPr>
       </p:pic>
+      <p:sp>
+        <p:nvSpPr>
+          <p:cNvPr id="8" name="Footer Placeholder 7">
+            <a:extLst>
+              <a:ext uri="{FF2B5EF4-FFF2-40B4-BE49-F238E27FC236}">
+                <a16:creationId xmlns:a16="http://schemas.microsoft.com/office/drawing/2014/main" id="{956CE817-CFC2-9C45-82FC-D31CC2DD6EEF}"/>
+              </a:ext>
+            </a:extLst>
+          </p:cNvPr>
+          <p:cNvSpPr>
+            <a:spLocks noGrp="1"/>
+          </p:cNvSpPr>
+          <p:nvPr>
+            <p:ph type="ftr" sz="quarter" idx="11"/>
+          </p:nvPr>
+        </p:nvSpPr>
+        <p:spPr>
+          <a:xfrm>
+            <a:off x="838200" y="6356350"/>
+            <a:ext cx="10515600" cy="365125"/>
+          </a:xfrm>
+        </p:spPr>
+        <p:txBody>
+          <a:bodyPr/>
+          <a:lstStyle/>
+          <a:p>
+            <a:pPr algn="l"/>
+            <a:r>
+              <a:rPr lang="en-US" dirty="0" err="1"/>
+              <a:t>Humbold</a:t>
+            </a:r>
+            <a:r>
+              <a:rPr lang="en-US" dirty="0"/>
+              <a:t> Universität </a:t>
+            </a:r>
+            <a:r>
+              <a:rPr lang="en-US" dirty="0" err="1"/>
+              <a:t>zu</a:t>
+            </a:r>
+            <a:r>
+              <a:rPr lang="en-US" dirty="0"/>
+              <a:t> Berlin: https://</a:t>
+            </a:r>
+            <a:r>
+              <a:rPr lang="en-US" dirty="0" err="1"/>
+              <a:t>humboldt-wi.github.io</a:t>
+            </a:r>
+            <a:r>
+              <a:rPr lang="en-US" dirty="0"/>
+              <a:t>/blog/research/information_systems_1819/group4_ulmfit/ </a:t>
+            </a:r>
+          </a:p>
+        </p:txBody>
+      </p:sp>
     </p:spTree>
     <p:extLst>
       <p:ext uri="{BB962C8B-B14F-4D97-AF65-F5344CB8AC3E}">
@@ -4272,11 +4893,50 @@
         </p:blipFill>
         <p:spPr>
           <a:xfrm>
-            <a:off x="1585913" y="1266825"/>
-            <a:ext cx="8386762" cy="5591175"/>
+            <a:off x="1585913" y="947737"/>
+            <a:ext cx="8091487" cy="5394325"/>
           </a:xfrm>
         </p:spPr>
       </p:pic>
+      <p:sp>
+        <p:nvSpPr>
+          <p:cNvPr id="5" name="Footer Placeholder 4">
+            <a:extLst>
+              <a:ext uri="{FF2B5EF4-FFF2-40B4-BE49-F238E27FC236}">
+                <a16:creationId xmlns:a16="http://schemas.microsoft.com/office/drawing/2014/main" id="{8358D776-6AC9-A849-AC3B-D5471215F833}"/>
+              </a:ext>
+            </a:extLst>
+          </p:cNvPr>
+          <p:cNvSpPr>
+            <a:spLocks noGrp="1"/>
+          </p:cNvSpPr>
+          <p:nvPr>
+            <p:ph type="ftr" sz="quarter" idx="11"/>
+          </p:nvPr>
+        </p:nvSpPr>
+        <p:spPr>
+          <a:xfrm>
+            <a:off x="838200" y="6356350"/>
+            <a:ext cx="10515600" cy="365125"/>
+          </a:xfrm>
+        </p:spPr>
+        <p:txBody>
+          <a:bodyPr/>
+          <a:lstStyle/>
+          <a:p>
+            <a:pPr algn="l"/>
+            <a:r>
+              <a:rPr lang="en-US" dirty="0"/>
+              <a:t>Fast AI: https://</a:t>
+            </a:r>
+            <a:r>
+              <a:rPr lang="en-US" dirty="0" err="1"/>
+              <a:t>fast.ai</a:t>
+            </a:r>
+            <a:endParaRPr lang="en-US" dirty="0"/>
+          </a:p>
+        </p:txBody>
+      </p:sp>
     </p:spTree>
     <p:extLst>
       <p:ext uri="{BB962C8B-B14F-4D97-AF65-F5344CB8AC3E}">
@@ -4415,6 +5075,31 @@
           </a:p>
         </p:txBody>
       </p:sp>
+      <p:sp>
+        <p:nvSpPr>
+          <p:cNvPr id="5" name="Footer Placeholder 4">
+            <a:extLst>
+              <a:ext uri="{FF2B5EF4-FFF2-40B4-BE49-F238E27FC236}">
+                <a16:creationId xmlns:a16="http://schemas.microsoft.com/office/drawing/2014/main" id="{34590AE2-B2EA-D44F-AB4F-960FEDF78D51}"/>
+              </a:ext>
+            </a:extLst>
+          </p:cNvPr>
+          <p:cNvSpPr>
+            <a:spLocks noGrp="1"/>
+          </p:cNvSpPr>
+          <p:nvPr>
+            <p:ph type="ftr" sz="quarter" idx="11"/>
+          </p:nvPr>
+        </p:nvSpPr>
+        <p:spPr/>
+        <p:txBody>
+          <a:bodyPr/>
+          <a:lstStyle/>
+          <a:p>
+            <a:endParaRPr lang="en-US"/>
+          </a:p>
+        </p:txBody>
+      </p:sp>
     </p:spTree>
     <p:extLst>
       <p:ext uri="{BB962C8B-B14F-4D97-AF65-F5344CB8AC3E}">
@@ -4562,6 +5247,31 @@
           <a:p>
             <a:pPr lvl="2"/>
             <a:endParaRPr lang="en-US" dirty="0"/>
+          </a:p>
+        </p:txBody>
+      </p:sp>
+      <p:sp>
+        <p:nvSpPr>
+          <p:cNvPr id="6" name="Footer Placeholder 5">
+            <a:extLst>
+              <a:ext uri="{FF2B5EF4-FFF2-40B4-BE49-F238E27FC236}">
+                <a16:creationId xmlns:a16="http://schemas.microsoft.com/office/drawing/2014/main" id="{915D712E-08DE-874E-A65B-42C3A03EA7C3}"/>
+              </a:ext>
+            </a:extLst>
+          </p:cNvPr>
+          <p:cNvSpPr>
+            <a:spLocks noGrp="1"/>
+          </p:cNvSpPr>
+          <p:nvPr>
+            <p:ph type="ftr" sz="quarter" idx="11"/>
+          </p:nvPr>
+        </p:nvSpPr>
+        <p:spPr/>
+        <p:txBody>
+          <a:bodyPr/>
+          <a:lstStyle/>
+          <a:p>
+            <a:endParaRPr lang="en-US"/>
           </a:p>
         </p:txBody>
       </p:sp>
@@ -7434,6 +8144,31 @@
           </a:graphicData>
         </a:graphic>
       </p:graphicFrame>
+      <p:sp>
+        <p:nvSpPr>
+          <p:cNvPr id="7" name="Footer Placeholder 6">
+            <a:extLst>
+              <a:ext uri="{FF2B5EF4-FFF2-40B4-BE49-F238E27FC236}">
+                <a16:creationId xmlns:a16="http://schemas.microsoft.com/office/drawing/2014/main" id="{FADD297F-0253-2F42-9AD4-400B22759C43}"/>
+              </a:ext>
+            </a:extLst>
+          </p:cNvPr>
+          <p:cNvSpPr>
+            <a:spLocks noGrp="1"/>
+          </p:cNvSpPr>
+          <p:nvPr>
+            <p:ph type="ftr" sz="quarter" idx="11"/>
+          </p:nvPr>
+        </p:nvSpPr>
+        <p:spPr/>
+        <p:txBody>
+          <a:bodyPr/>
+          <a:lstStyle/>
+          <a:p>
+            <a:endParaRPr lang="en-US"/>
+          </a:p>
+        </p:txBody>
+      </p:sp>
     </p:spTree>
     <p:extLst>
       <p:ext uri="{BB962C8B-B14F-4D97-AF65-F5344CB8AC3E}">
@@ -7740,4 +8475,299 @@
     </a:ext>
   </a:extLst>
 </a:theme>
+</file>
+
+<file path=ppt/theme/theme2.xml><?xml version="1.0" encoding="utf-8"?>
+<a:theme xmlns:a="http://schemas.openxmlformats.org/drawingml/2006/main" name="Office Theme">
+  <a:themeElements>
+    <a:clrScheme name="Office">
+      <a:dk1>
+        <a:sysClr val="windowText" lastClr="000000"/>
+      </a:dk1>
+      <a:lt1>
+        <a:sysClr val="window" lastClr="FFFFFF"/>
+      </a:lt1>
+      <a:dk2>
+        <a:srgbClr val="44546A"/>
+      </a:dk2>
+      <a:lt2>
+        <a:srgbClr val="E7E6E6"/>
+      </a:lt2>
+      <a:accent1>
+        <a:srgbClr val="4472C4"/>
+      </a:accent1>
+      <a:accent2>
+        <a:srgbClr val="ED7D31"/>
+      </a:accent2>
+      <a:accent3>
+        <a:srgbClr val="A5A5A5"/>
+      </a:accent3>
+      <a:accent4>
+        <a:srgbClr val="FFC000"/>
+      </a:accent4>
+      <a:accent5>
+        <a:srgbClr val="5B9BD5"/>
+      </a:accent5>
+      <a:accent6>
+        <a:srgbClr val="70AD47"/>
+      </a:accent6>
+      <a:hlink>
+        <a:srgbClr val="0563C1"/>
+      </a:hlink>
+      <a:folHlink>
+        <a:srgbClr val="954F72"/>
+      </a:folHlink>
+    </a:clrScheme>
+    <a:fontScheme name="Office">
+      <a:majorFont>
+        <a:latin typeface="Calibri Light" panose="020F0302020204030204"/>
+        <a:ea typeface=""/>
+        <a:cs typeface=""/>
+        <a:font script="Jpan" typeface="游ゴシック Light"/>
+        <a:font script="Hang" typeface="맑은 고딕"/>
+        <a:font script="Hans" typeface="等线 Light"/>
+        <a:font script="Hant" typeface="新細明體"/>
+        <a:font script="Arab" typeface="Times New Roman"/>
+        <a:font script="Hebr" typeface="Times New Roman"/>
+        <a:font script="Thai" typeface="Angsana New"/>
+        <a:font script="Ethi" typeface="Nyala"/>
+        <a:font script="Beng" typeface="Vrinda"/>
+        <a:font script="Gujr" typeface="Shruti"/>
+        <a:font script="Khmr" typeface="MoolBoran"/>
+        <a:font script="Knda" typeface="Tunga"/>
+        <a:font script="Guru" typeface="Raavi"/>
+        <a:font script="Cans" typeface="Euphemia"/>
+        <a:font script="Cher" typeface="Plantagenet Cherokee"/>
+        <a:font script="Yiii" typeface="Microsoft Yi Baiti"/>
+        <a:font script="Tibt" typeface="Microsoft Himalaya"/>
+        <a:font script="Thaa" typeface="MV Boli"/>
+        <a:font script="Deva" typeface="Mangal"/>
+        <a:font script="Telu" typeface="Gautami"/>
+        <a:font script="Taml" typeface="Latha"/>
+        <a:font script="Syrc" typeface="Estrangelo Edessa"/>
+        <a:font script="Orya" typeface="Kalinga"/>
+        <a:font script="Mlym" typeface="Kartika"/>
+        <a:font script="Laoo" typeface="DokChampa"/>
+        <a:font script="Sinh" typeface="Iskoola Pota"/>
+        <a:font script="Mong" typeface="Mongolian Baiti"/>
+        <a:font script="Viet" typeface="Times New Roman"/>
+        <a:font script="Uigh" typeface="Microsoft Uighur"/>
+        <a:font script="Geor" typeface="Sylfaen"/>
+        <a:font script="Armn" typeface="Arial"/>
+        <a:font script="Bugi" typeface="Leelawadee UI"/>
+        <a:font script="Bopo" typeface="Microsoft JhengHei"/>
+        <a:font script="Java" typeface="Javanese Text"/>
+        <a:font script="Lisu" typeface="Segoe UI"/>
+        <a:font script="Mymr" typeface="Myanmar Text"/>
+        <a:font script="Nkoo" typeface="Ebrima"/>
+        <a:font script="Olck" typeface="Nirmala UI"/>
+        <a:font script="Osma" typeface="Ebrima"/>
+        <a:font script="Phag" typeface="Phagspa"/>
+        <a:font script="Syrn" typeface="Estrangelo Edessa"/>
+        <a:font script="Syrj" typeface="Estrangelo Edessa"/>
+        <a:font script="Syre" typeface="Estrangelo Edessa"/>
+        <a:font script="Sora" typeface="Nirmala UI"/>
+        <a:font script="Tale" typeface="Microsoft Tai Le"/>
+        <a:font script="Talu" typeface="Microsoft New Tai Lue"/>
+        <a:font script="Tfng" typeface="Ebrima"/>
+      </a:majorFont>
+      <a:minorFont>
+        <a:latin typeface="Calibri" panose="020F0502020204030204"/>
+        <a:ea typeface=""/>
+        <a:cs typeface=""/>
+        <a:font script="Jpan" typeface="游ゴシック"/>
+        <a:font script="Hang" typeface="맑은 고딕"/>
+        <a:font script="Hans" typeface="等线"/>
+        <a:font script="Hant" typeface="新細明體"/>
+        <a:font script="Arab" typeface="Arial"/>
+        <a:font script="Hebr" typeface="Arial"/>
+        <a:font script="Thai" typeface="Cordia New"/>
+        <a:font script="Ethi" typeface="Nyala"/>
+        <a:font script="Beng" typeface="Vrinda"/>
+        <a:font script="Gujr" typeface="Shruti"/>
+        <a:font script="Khmr" typeface="DaunPenh"/>
+        <a:font script="Knda" typeface="Tunga"/>
+        <a:font script="Guru" typeface="Raavi"/>
+        <a:font script="Cans" typeface="Euphemia"/>
+        <a:font script="Cher" typeface="Plantagenet Cherokee"/>
+        <a:font script="Yiii" typeface="Microsoft Yi Baiti"/>
+        <a:font script="Tibt" typeface="Microsoft Himalaya"/>
+        <a:font script="Thaa" typeface="MV Boli"/>
+        <a:font script="Deva" typeface="Mangal"/>
+        <a:font script="Telu" typeface="Gautami"/>
+        <a:font script="Taml" typeface="Latha"/>
+        <a:font script="Syrc" typeface="Estrangelo Edessa"/>
+        <a:font script="Orya" typeface="Kalinga"/>
+        <a:font script="Mlym" typeface="Kartika"/>
+        <a:font script="Laoo" typeface="DokChampa"/>
+        <a:font script="Sinh" typeface="Iskoola Pota"/>
+        <a:font script="Mong" typeface="Mongolian Baiti"/>
+        <a:font script="Viet" typeface="Arial"/>
+        <a:font script="Uigh" typeface="Microsoft Uighur"/>
+        <a:font script="Geor" typeface="Sylfaen"/>
+        <a:font script="Armn" typeface="Arial"/>
+        <a:font script="Bugi" typeface="Leelawadee UI"/>
+        <a:font script="Bopo" typeface="Microsoft JhengHei"/>
+        <a:font script="Java" typeface="Javanese Text"/>
+        <a:font script="Lisu" typeface="Segoe UI"/>
+        <a:font script="Mymr" typeface="Myanmar Text"/>
+        <a:font script="Nkoo" typeface="Ebrima"/>
+        <a:font script="Olck" typeface="Nirmala UI"/>
+        <a:font script="Osma" typeface="Ebrima"/>
+        <a:font script="Phag" typeface="Phagspa"/>
+        <a:font script="Syrn" typeface="Estrangelo Edessa"/>
+        <a:font script="Syrj" typeface="Estrangelo Edessa"/>
+        <a:font script="Syre" typeface="Estrangelo Edessa"/>
+        <a:font script="Sora" typeface="Nirmala UI"/>
+        <a:font script="Tale" typeface="Microsoft Tai Le"/>
+        <a:font script="Talu" typeface="Microsoft New Tai Lue"/>
+        <a:font script="Tfng" typeface="Ebrima"/>
+      </a:minorFont>
+    </a:fontScheme>
+    <a:fmtScheme name="Office">
+      <a:fillStyleLst>
+        <a:solidFill>
+          <a:schemeClr val="phClr"/>
+        </a:solidFill>
+        <a:gradFill rotWithShape="1">
+          <a:gsLst>
+            <a:gs pos="0">
+              <a:schemeClr val="phClr">
+                <a:lumMod val="110000"/>
+                <a:satMod val="105000"/>
+                <a:tint val="67000"/>
+              </a:schemeClr>
+            </a:gs>
+            <a:gs pos="50000">
+              <a:schemeClr val="phClr">
+                <a:lumMod val="105000"/>
+                <a:satMod val="103000"/>
+                <a:tint val="73000"/>
+              </a:schemeClr>
+            </a:gs>
+            <a:gs pos="100000">
+              <a:schemeClr val="phClr">
+                <a:lumMod val="105000"/>
+                <a:satMod val="109000"/>
+                <a:tint val="81000"/>
+              </a:schemeClr>
+            </a:gs>
+          </a:gsLst>
+          <a:lin ang="5400000" scaled="0"/>
+        </a:gradFill>
+        <a:gradFill rotWithShape="1">
+          <a:gsLst>
+            <a:gs pos="0">
+              <a:schemeClr val="phClr">
+                <a:satMod val="103000"/>
+                <a:lumMod val="102000"/>
+                <a:tint val="94000"/>
+              </a:schemeClr>
+            </a:gs>
+            <a:gs pos="50000">
+              <a:schemeClr val="phClr">
+                <a:satMod val="110000"/>
+                <a:lumMod val="100000"/>
+                <a:shade val="100000"/>
+              </a:schemeClr>
+            </a:gs>
+            <a:gs pos="100000">
+              <a:schemeClr val="phClr">
+                <a:lumMod val="99000"/>
+                <a:satMod val="120000"/>
+                <a:shade val="78000"/>
+              </a:schemeClr>
+            </a:gs>
+          </a:gsLst>
+          <a:lin ang="5400000" scaled="0"/>
+        </a:gradFill>
+      </a:fillStyleLst>
+      <a:lnStyleLst>
+        <a:ln w="6350" cap="flat" cmpd="sng" algn="ctr">
+          <a:solidFill>
+            <a:schemeClr val="phClr"/>
+          </a:solidFill>
+          <a:prstDash val="solid"/>
+          <a:miter lim="800000"/>
+        </a:ln>
+        <a:ln w="12700" cap="flat" cmpd="sng" algn="ctr">
+          <a:solidFill>
+            <a:schemeClr val="phClr"/>
+          </a:solidFill>
+          <a:prstDash val="solid"/>
+          <a:miter lim="800000"/>
+        </a:ln>
+        <a:ln w="19050" cap="flat" cmpd="sng" algn="ctr">
+          <a:solidFill>
+            <a:schemeClr val="phClr"/>
+          </a:solidFill>
+          <a:prstDash val="solid"/>
+          <a:miter lim="800000"/>
+        </a:ln>
+      </a:lnStyleLst>
+      <a:effectStyleLst>
+        <a:effectStyle>
+          <a:effectLst/>
+        </a:effectStyle>
+        <a:effectStyle>
+          <a:effectLst/>
+        </a:effectStyle>
+        <a:effectStyle>
+          <a:effectLst>
+            <a:outerShdw blurRad="57150" dist="19050" dir="5400000" algn="ctr" rotWithShape="0">
+              <a:srgbClr val="000000">
+                <a:alpha val="63000"/>
+              </a:srgbClr>
+            </a:outerShdw>
+          </a:effectLst>
+        </a:effectStyle>
+      </a:effectStyleLst>
+      <a:bgFillStyleLst>
+        <a:solidFill>
+          <a:schemeClr val="phClr"/>
+        </a:solidFill>
+        <a:solidFill>
+          <a:schemeClr val="phClr">
+            <a:tint val="95000"/>
+            <a:satMod val="170000"/>
+          </a:schemeClr>
+        </a:solidFill>
+        <a:gradFill rotWithShape="1">
+          <a:gsLst>
+            <a:gs pos="0">
+              <a:schemeClr val="phClr">
+                <a:tint val="93000"/>
+                <a:satMod val="150000"/>
+                <a:shade val="98000"/>
+                <a:lumMod val="102000"/>
+              </a:schemeClr>
+            </a:gs>
+            <a:gs pos="50000">
+              <a:schemeClr val="phClr">
+                <a:tint val="98000"/>
+                <a:satMod val="130000"/>
+                <a:shade val="90000"/>
+                <a:lumMod val="103000"/>
+              </a:schemeClr>
+            </a:gs>
+            <a:gs pos="100000">
+              <a:schemeClr val="phClr">
+                <a:shade val="63000"/>
+                <a:satMod val="120000"/>
+              </a:schemeClr>
+            </a:gs>
+          </a:gsLst>
+          <a:lin ang="5400000" scaled="0"/>
+        </a:gradFill>
+      </a:bgFillStyleLst>
+    </a:fmtScheme>
+  </a:themeElements>
+  <a:objectDefaults/>
+  <a:extraClrSchemeLst/>
+  <a:extLst>
+    <a:ext uri="{05A4C25C-085E-4340-85A3-A5531E510DB2}">
+      <thm15:themeFamily xmlns:thm15="http://schemas.microsoft.com/office/thememl/2012/main" name="Office Theme" id="{62F939B6-93AF-4DB8-9C6B-D6C7DFDC589F}" vid="{4A3C46E8-61CC-4603-A589-7422A47A8E4A}"/>
+    </a:ext>
+  </a:extLst>
+</a:theme>
 </file>